--- a/インベントリ操作用プログラム.pptx
+++ b/インベントリ操作用プログラム.pptx
@@ -246,7 +246,7 @@
           <a:p>
             <a:fld id="{DEE83493-0B3C-4AFF-AE6D-89BCFB745C7F}" type="datetimeFigureOut">
               <a:rPr kumimoji="1" lang="ja-JP" altLang="en-US" smtClean="0"/>
-              <a:t>2018/8/9</a:t>
+              <a:t>2018/8/28</a:t>
             </a:fld>
             <a:endParaRPr kumimoji="1" lang="ja-JP" altLang="en-US"/>
           </a:p>
@@ -448,7 +448,7 @@
           <a:p>
             <a:fld id="{DEE83493-0B3C-4AFF-AE6D-89BCFB745C7F}" type="datetimeFigureOut">
               <a:rPr kumimoji="1" lang="ja-JP" altLang="en-US" smtClean="0"/>
-              <a:t>2018/8/9</a:t>
+              <a:t>2018/8/28</a:t>
             </a:fld>
             <a:endParaRPr kumimoji="1" lang="ja-JP" altLang="en-US"/>
           </a:p>
@@ -660,7 +660,7 @@
           <a:p>
             <a:fld id="{DEE83493-0B3C-4AFF-AE6D-89BCFB745C7F}" type="datetimeFigureOut">
               <a:rPr kumimoji="1" lang="ja-JP" altLang="en-US" smtClean="0"/>
-              <a:t>2018/8/9</a:t>
+              <a:t>2018/8/28</a:t>
             </a:fld>
             <a:endParaRPr kumimoji="1" lang="ja-JP" altLang="en-US"/>
           </a:p>
@@ -862,7 +862,7 @@
           <a:p>
             <a:fld id="{DEE83493-0B3C-4AFF-AE6D-89BCFB745C7F}" type="datetimeFigureOut">
               <a:rPr kumimoji="1" lang="ja-JP" altLang="en-US" smtClean="0"/>
-              <a:t>2018/8/9</a:t>
+              <a:t>2018/8/28</a:t>
             </a:fld>
             <a:endParaRPr kumimoji="1" lang="ja-JP" altLang="en-US"/>
           </a:p>
@@ -1106,7 +1106,7 @@
           <a:p>
             <a:fld id="{DEE83493-0B3C-4AFF-AE6D-89BCFB745C7F}" type="datetimeFigureOut">
               <a:rPr kumimoji="1" lang="ja-JP" altLang="en-US" smtClean="0"/>
-              <a:t>2018/8/9</a:t>
+              <a:t>2018/8/28</a:t>
             </a:fld>
             <a:endParaRPr kumimoji="1" lang="ja-JP" altLang="en-US"/>
           </a:p>
@@ -1402,7 +1402,7 @@
           <a:p>
             <a:fld id="{DEE83493-0B3C-4AFF-AE6D-89BCFB745C7F}" type="datetimeFigureOut">
               <a:rPr kumimoji="1" lang="ja-JP" altLang="en-US" smtClean="0"/>
-              <a:t>2018/8/9</a:t>
+              <a:t>2018/8/28</a:t>
             </a:fld>
             <a:endParaRPr kumimoji="1" lang="ja-JP" altLang="en-US"/>
           </a:p>
@@ -1833,7 +1833,7 @@
           <a:p>
             <a:fld id="{DEE83493-0B3C-4AFF-AE6D-89BCFB745C7F}" type="datetimeFigureOut">
               <a:rPr kumimoji="1" lang="ja-JP" altLang="en-US" smtClean="0"/>
-              <a:t>2018/8/9</a:t>
+              <a:t>2018/8/28</a:t>
             </a:fld>
             <a:endParaRPr kumimoji="1" lang="ja-JP" altLang="en-US"/>
           </a:p>
@@ -1951,7 +1951,7 @@
           <a:p>
             <a:fld id="{DEE83493-0B3C-4AFF-AE6D-89BCFB745C7F}" type="datetimeFigureOut">
               <a:rPr kumimoji="1" lang="ja-JP" altLang="en-US" smtClean="0"/>
-              <a:t>2018/8/9</a:t>
+              <a:t>2018/8/28</a:t>
             </a:fld>
             <a:endParaRPr kumimoji="1" lang="ja-JP" altLang="en-US"/>
           </a:p>
@@ -2046,7 +2046,7 @@
           <a:p>
             <a:fld id="{DEE83493-0B3C-4AFF-AE6D-89BCFB745C7F}" type="datetimeFigureOut">
               <a:rPr kumimoji="1" lang="ja-JP" altLang="en-US" smtClean="0"/>
-              <a:t>2018/8/9</a:t>
+              <a:t>2018/8/28</a:t>
             </a:fld>
             <a:endParaRPr kumimoji="1" lang="ja-JP" altLang="en-US"/>
           </a:p>
@@ -2355,7 +2355,7 @@
           <a:p>
             <a:fld id="{DEE83493-0B3C-4AFF-AE6D-89BCFB745C7F}" type="datetimeFigureOut">
               <a:rPr kumimoji="1" lang="ja-JP" altLang="en-US" smtClean="0"/>
-              <a:t>2018/8/9</a:t>
+              <a:t>2018/8/28</a:t>
             </a:fld>
             <a:endParaRPr kumimoji="1" lang="ja-JP" altLang="en-US"/>
           </a:p>
@@ -2612,7 +2612,7 @@
           <a:p>
             <a:fld id="{DEE83493-0B3C-4AFF-AE6D-89BCFB745C7F}" type="datetimeFigureOut">
               <a:rPr kumimoji="1" lang="ja-JP" altLang="en-US" smtClean="0"/>
-              <a:t>2018/8/9</a:t>
+              <a:t>2018/8/28</a:t>
             </a:fld>
             <a:endParaRPr kumimoji="1" lang="ja-JP" altLang="en-US"/>
           </a:p>
@@ -2857,7 +2857,7 @@
           <a:p>
             <a:fld id="{DEE83493-0B3C-4AFF-AE6D-89BCFB745C7F}" type="datetimeFigureOut">
               <a:rPr kumimoji="1" lang="ja-JP" altLang="en-US" smtClean="0"/>
-              <a:t>2018/8/9</a:t>
+              <a:t>2018/8/28</a:t>
             </a:fld>
             <a:endParaRPr kumimoji="1" lang="ja-JP" altLang="en-US"/>
           </a:p>
@@ -3670,7 +3670,7 @@
         </p:nvSpPr>
         <p:spPr>
           <a:xfrm>
-            <a:off x="1384917" y="1091953"/>
+            <a:off x="1384917" y="508060"/>
             <a:ext cx="1882066" cy="1251752"/>
           </a:xfrm>
           <a:prstGeom prst="roundRect">
@@ -3728,7 +3728,7 @@
         </p:nvSpPr>
         <p:spPr>
           <a:xfrm>
-            <a:off x="3689967" y="1091953"/>
+            <a:off x="3689967" y="508060"/>
             <a:ext cx="1882066" cy="1251752"/>
           </a:xfrm>
           <a:prstGeom prst="roundRect">
@@ -3786,7 +3786,7 @@
         </p:nvSpPr>
         <p:spPr>
           <a:xfrm>
-            <a:off x="5899767" y="1091953"/>
+            <a:off x="5899767" y="508060"/>
             <a:ext cx="1882066" cy="1251752"/>
           </a:xfrm>
           <a:prstGeom prst="roundRect">
@@ -3852,7 +3852,7 @@
         </p:nvSpPr>
         <p:spPr>
           <a:xfrm>
-            <a:off x="3981450" y="3305175"/>
+            <a:off x="3992467" y="3106871"/>
             <a:ext cx="1070592" cy="895350"/>
           </a:xfrm>
           <a:prstGeom prst="rect">
@@ -3954,7 +3954,7 @@
         </p:nvSpPr>
         <p:spPr>
           <a:xfrm>
-            <a:off x="5372100" y="3486150"/>
+            <a:off x="5383117" y="2836155"/>
             <a:ext cx="2552700" cy="369332"/>
           </a:xfrm>
           <a:prstGeom prst="rect">
@@ -4025,8 +4025,8 @@
         </p:nvCxnSpPr>
         <p:spPr>
           <a:xfrm>
-            <a:off x="2325950" y="2343705"/>
-            <a:ext cx="2190796" cy="961470"/>
+            <a:off x="2325950" y="1759812"/>
+            <a:ext cx="2201813" cy="1347059"/>
           </a:xfrm>
           <a:prstGeom prst="straightConnector1">
             <a:avLst/>
@@ -4062,8 +4062,8 @@
         </p:nvCxnSpPr>
         <p:spPr>
           <a:xfrm flipH="1">
-            <a:off x="4516746" y="2343705"/>
-            <a:ext cx="114254" cy="961470"/>
+            <a:off x="4527763" y="1759812"/>
+            <a:ext cx="103237" cy="1347059"/>
           </a:xfrm>
           <a:prstGeom prst="straightConnector1">
             <a:avLst/>
@@ -4099,8 +4099,8 @@
         </p:nvCxnSpPr>
         <p:spPr>
           <a:xfrm flipH="1">
-            <a:off x="4516746" y="2343705"/>
-            <a:ext cx="2324054" cy="961470"/>
+            <a:off x="4527763" y="1759812"/>
+            <a:ext cx="2313037" cy="1347059"/>
           </a:xfrm>
           <a:prstGeom prst="straightConnector1">
             <a:avLst/>
@@ -4136,8 +4136,8 @@
         </p:nvCxnSpPr>
         <p:spPr>
           <a:xfrm flipH="1" flipV="1">
-            <a:off x="2325950" y="2343705"/>
-            <a:ext cx="238171" cy="2552145"/>
+            <a:off x="2325950" y="1759812"/>
+            <a:ext cx="238171" cy="3136038"/>
           </a:xfrm>
           <a:prstGeom prst="straightConnector1">
             <a:avLst/>
@@ -4176,8 +4176,8 @@
         </p:nvCxnSpPr>
         <p:spPr>
           <a:xfrm flipH="1">
-            <a:off x="2564121" y="2343705"/>
-            <a:ext cx="2066879" cy="2552145"/>
+            <a:off x="2564121" y="1759812"/>
+            <a:ext cx="2066879" cy="3136038"/>
           </a:xfrm>
           <a:prstGeom prst="straightConnector1">
             <a:avLst/>
@@ -4216,8 +4216,8 @@
         </p:nvCxnSpPr>
         <p:spPr>
           <a:xfrm flipV="1">
-            <a:off x="2564121" y="2343705"/>
-            <a:ext cx="4276679" cy="2552145"/>
+            <a:off x="2564121" y="1759812"/>
+            <a:ext cx="4276679" cy="3136038"/>
           </a:xfrm>
           <a:prstGeom prst="straightConnector1">
             <a:avLst/>
@@ -4256,13 +4256,16 @@
         </p:nvCxnSpPr>
         <p:spPr>
           <a:xfrm flipH="1">
-            <a:off x="2564121" y="4200525"/>
-            <a:ext cx="1952625" cy="695325"/>
+            <a:off x="2564121" y="4002221"/>
+            <a:ext cx="1963642" cy="893629"/>
           </a:xfrm>
           <a:prstGeom prst="straightConnector1">
             <a:avLst/>
           </a:prstGeom>
           <a:ln w="25400">
+            <a:solidFill>
+              <a:srgbClr val="92D050"/>
+            </a:solidFill>
             <a:headEnd type="triangle"/>
             <a:tailEnd type="triangle"/>
           </a:ln>
@@ -4353,7 +4356,7 @@
         </p:nvSpPr>
         <p:spPr>
           <a:xfrm>
-            <a:off x="5829254" y="3948022"/>
+            <a:off x="5840271" y="3298027"/>
             <a:ext cx="2343150" cy="923330"/>
           </a:xfrm>
           <a:prstGeom prst="rect">
@@ -4417,6 +4420,43 @@
           </a:prstGeom>
         </p:spPr>
       </p:pic>
+      <p:sp>
+        <p:nvSpPr>
+          <p:cNvPr id="19" name="テキスト ボックス 18"/>
+          <p:cNvSpPr txBox="1"/>
+          <p:nvPr/>
+        </p:nvSpPr>
+        <p:spPr>
+          <a:xfrm>
+            <a:off x="5840271" y="4318258"/>
+            <a:ext cx="2653734" cy="646331"/>
+          </a:xfrm>
+          <a:prstGeom prst="rect">
+            <a:avLst/>
+          </a:prstGeom>
+          <a:noFill/>
+        </p:spPr>
+        <p:txBody>
+          <a:bodyPr wrap="square" rtlCol="0">
+            <a:spAutoFit/>
+          </a:bodyPr>
+          <a:lstStyle/>
+          <a:p>
+            <a:r>
+              <a:rPr lang="ja-JP" altLang="en-US" dirty="0"/>
+              <a:t>緑線</a:t>
+            </a:r>
+            <a:endParaRPr kumimoji="1" lang="en-US" altLang="ja-JP" dirty="0" smtClean="0"/>
+          </a:p>
+          <a:p>
+            <a:r>
+              <a:rPr lang="ja-JP" altLang="en-US" dirty="0" smtClean="0"/>
+              <a:t>・取得または作成の司令</a:t>
+            </a:r>
+            <a:endParaRPr kumimoji="1" lang="en-US" altLang="ja-JP" dirty="0" smtClean="0"/>
+          </a:p>
+        </p:txBody>
+      </p:sp>
     </p:spTree>
     <p:extLst>
       <p:ext uri="{BB962C8B-B14F-4D97-AF65-F5344CB8AC3E}">
